--- a/docs/NovaArquitetura.pptx
+++ b/docs/NovaArquitetura.pptx
@@ -23,6 +23,7 @@
     <p:sldId id="262" r:id="rId17"/>
     <p:sldId id="259" r:id="rId18"/>
     <p:sldId id="260" r:id="rId19"/>
+    <p:sldId id="263" r:id="rId20"/>
   </p:sldIdLst>
   <p:sldSz cx="10080625" cy="5670550"/>
   <p:notesSz cx="7559675" cy="10691813"/>
@@ -52485,7 +52486,7 @@
     <mc:Choice Requires="p14">
       <p:transition spd="slow" p14:dur="2000"/>
     </mc:Choice>
-    <mc:Fallback xmlns="" xmlns:p15="http://schemas.microsoft.com/office/powerpoint/2012/main">
+    <mc:Fallback xmlns:p15="http://schemas.microsoft.com/office/powerpoint/2012/main" xmlns="">
       <p:transition spd="slow"/>
     </mc:Fallback>
   </mc:AlternateContent>
@@ -52700,7 +52701,7 @@
     <mc:Choice Requires="p14">
       <p:transition spd="slow" p14:dur="2000"/>
     </mc:Choice>
-    <mc:Fallback xmlns="" xmlns:p15="http://schemas.microsoft.com/office/powerpoint/2012/main">
+    <mc:Fallback xmlns:p15="http://schemas.microsoft.com/office/powerpoint/2012/main" xmlns="">
       <p:transition spd="slow"/>
     </mc:Fallback>
   </mc:AlternateContent>
@@ -52974,7 +52975,7 @@
     <mc:Choice Requires="p14">
       <p:transition spd="slow" p14:dur="2000"/>
     </mc:Choice>
-    <mc:Fallback xmlns="" xmlns:p15="http://schemas.microsoft.com/office/powerpoint/2012/main">
+    <mc:Fallback xmlns:p15="http://schemas.microsoft.com/office/powerpoint/2012/main" xmlns="">
       <p:transition spd="slow"/>
     </mc:Fallback>
   </mc:AlternateContent>
@@ -53967,7 +53968,7 @@
     <mc:Choice Requires="p14">
       <p:transition spd="slow" p14:dur="2000"/>
     </mc:Choice>
-    <mc:Fallback xmlns="" xmlns:p15="http://schemas.microsoft.com/office/powerpoint/2012/main">
+    <mc:Fallback xmlns:p15="http://schemas.microsoft.com/office/powerpoint/2012/main" xmlns="">
       <p:transition spd="slow"/>
     </mc:Fallback>
   </mc:AlternateContent>
@@ -55363,7 +55364,7 @@
     <mc:Choice Requires="p14">
       <p:transition spd="slow" p14:dur="2000"/>
     </mc:Choice>
-    <mc:Fallback xmlns="" xmlns:p15="http://schemas.microsoft.com/office/powerpoint/2012/main">
+    <mc:Fallback xmlns:p15="http://schemas.microsoft.com/office/powerpoint/2012/main" xmlns="">
       <p:transition spd="slow"/>
     </mc:Fallback>
   </mc:AlternateContent>
@@ -55525,7 +55526,7 @@
     <mc:Choice Requires="p14">
       <p:transition spd="slow" p14:dur="2000"/>
     </mc:Choice>
-    <mc:Fallback xmlns="" xmlns:p15="http://schemas.microsoft.com/office/powerpoint/2012/main">
+    <mc:Fallback xmlns:p15="http://schemas.microsoft.com/office/powerpoint/2012/main" xmlns="">
       <p:transition spd="slow"/>
     </mc:Fallback>
   </mc:AlternateContent>
@@ -55687,10 +55688,783 @@
     <mc:Choice Requires="p14">
       <p:transition spd="slow" p14:dur="2000"/>
     </mc:Choice>
-    <mc:Fallback xmlns="" xmlns:p15="http://schemas.microsoft.com/office/powerpoint/2012/main">
+    <mc:Fallback xmlns:p15="http://schemas.microsoft.com/office/powerpoint/2012/main" xmlns="">
       <p:transition spd="slow"/>
     </mc:Fallback>
   </mc:AlternateContent>
+  <p:timing>
+    <p:tnLst>
+      <p:par>
+        <p:cTn id="1" dur="indefinite" restart="never" nodeType="tmRoot"/>
+      </p:par>
+    </p:tnLst>
+  </p:timing>
+</p:sld>
+</file>
+
+<file path=ppt/slides/slide8.xml><?xml version="1.0" encoding="utf-8"?>
+<p:sld xmlns:a="http://schemas.openxmlformats.org/drawingml/2006/main" xmlns:r="http://schemas.openxmlformats.org/officeDocument/2006/relationships" xmlns:p="http://schemas.openxmlformats.org/presentationml/2006/main">
+  <p:cSld>
+    <p:spTree>
+      <p:nvGrpSpPr>
+        <p:cNvPr id="1" name=""/>
+        <p:cNvGrpSpPr/>
+        <p:nvPr/>
+      </p:nvGrpSpPr>
+      <p:grpSpPr>
+        <a:xfrm>
+          <a:off x="0" y="0"/>
+          <a:ext cx="0" cy="0"/>
+          <a:chOff x="0" y="0"/>
+          <a:chExt cx="0" cy="0"/>
+        </a:xfrm>
+      </p:grpSpPr>
+      <p:sp>
+        <p:nvSpPr>
+          <p:cNvPr id="672" name="CaixaDeTexto 671"/>
+          <p:cNvSpPr txBox="1"/>
+          <p:nvPr/>
+        </p:nvSpPr>
+        <p:spPr>
+          <a:xfrm>
+            <a:off x="1980000" y="360000"/>
+            <a:ext cx="8100000" cy="900000"/>
+          </a:xfrm>
+          <a:prstGeom prst="rect">
+            <a:avLst/>
+          </a:prstGeom>
+          <a:noFill/>
+          <a:ln w="0">
+            <a:noFill/>
+          </a:ln>
+        </p:spPr>
+        <p:txBody>
+          <a:bodyPr lIns="90000" tIns="45000" rIns="90000" bIns="45000" anchor="t">
+            <a:noAutofit/>
+          </a:bodyPr>
+          <a:lstStyle/>
+          <a:p>
+            <a:pPr>
+              <a:lnSpc>
+                <a:spcPct val="100000"/>
+              </a:lnSpc>
+            </a:pPr>
+            <a:r>
+              <a:rPr lang="pt-BR" sz="4000" b="1" u="wavyHeavy" strike="noStrike" spc="-1" dirty="0" smtClean="0">
+                <a:solidFill>
+                  <a:srgbClr val="000000"/>
+                </a:solidFill>
+                <a:uFillTx/>
+                <a:latin typeface="Noto Sans"/>
+              </a:rPr>
+              <a:t>Agenda</a:t>
+            </a:r>
+            <a:endParaRPr lang="pt-BR" sz="4000" b="0" strike="noStrike" spc="-1" dirty="0">
+              <a:solidFill>
+                <a:srgbClr val="000000"/>
+              </a:solidFill>
+              <a:latin typeface="Arial"/>
+            </a:endParaRPr>
+          </a:p>
+        </p:txBody>
+      </p:sp>
+      <p:sp>
+        <p:nvSpPr>
+          <p:cNvPr id="673" name="Retângulo 672"/>
+          <p:cNvSpPr/>
+          <p:nvPr/>
+        </p:nvSpPr>
+        <p:spPr>
+          <a:xfrm>
+            <a:off x="914400" y="2835000"/>
+            <a:ext cx="91440" cy="1645920"/>
+          </a:xfrm>
+          <a:prstGeom prst="rect">
+            <a:avLst/>
+          </a:prstGeom>
+          <a:solidFill>
+            <a:srgbClr val="CED4DA">
+              <a:alpha val="50000"/>
+            </a:srgbClr>
+          </a:solidFill>
+          <a:ln w="0">
+            <a:noFill/>
+          </a:ln>
+        </p:spPr>
+        <p:style>
+          <a:lnRef idx="0">
+            <a:scrgbClr r="0" g="0" b="0"/>
+          </a:lnRef>
+          <a:fillRef idx="0">
+            <a:scrgbClr r="0" g="0" b="0"/>
+          </a:fillRef>
+          <a:effectRef idx="0">
+            <a:scrgbClr r="0" g="0" b="0"/>
+          </a:effectRef>
+          <a:fontRef idx="minor"/>
+        </p:style>
+        <p:txBody>
+          <a:bodyPr wrap="none" lIns="90000" tIns="45000" rIns="90000" bIns="45000" anchor="ctr">
+            <a:noAutofit/>
+          </a:bodyPr>
+          <a:lstStyle/>
+          <a:p>
+            <a:endParaRPr lang="pt-BR" sz="1800" b="0" strike="noStrike" spc="-1">
+              <a:solidFill>
+                <a:srgbClr val="000000"/>
+              </a:solidFill>
+              <a:latin typeface="Arial"/>
+            </a:endParaRPr>
+          </a:p>
+        </p:txBody>
+      </p:sp>
+      <p:graphicFrame>
+        <p:nvGraphicFramePr>
+          <p:cNvPr id="4" name="Tabela 3"/>
+          <p:cNvGraphicFramePr>
+            <a:graphicFrameLocks noGrp="1"/>
+          </p:cNvGraphicFramePr>
+          <p:nvPr>
+            <p:extLst>
+              <p:ext uri="{D42A27DB-BD31-4B8C-83A1-F6EECF244321}">
+                <p14:modId xmlns:p14="http://schemas.microsoft.com/office/powerpoint/2010/main" val="2741730132"/>
+              </p:ext>
+            </p:extLst>
+          </p:nvPr>
+        </p:nvGraphicFramePr>
+        <p:xfrm>
+          <a:off x="502921" y="1127760"/>
+          <a:ext cx="9349738" cy="2325702"/>
+        </p:xfrm>
+        <a:graphic>
+          <a:graphicData uri="http://schemas.openxmlformats.org/drawingml/2006/table">
+            <a:tbl>
+              <a:tblPr>
+                <a:tableStyleId>{5C22544A-7EE6-4342-B048-85BDC9FD1C3A}</a:tableStyleId>
+              </a:tblPr>
+              <a:tblGrid>
+                <a:gridCol w="2792229">
+                  <a:extLst>
+                    <a:ext uri="{9D8B030D-6E8A-4147-A177-3AD203B41FA5}">
+                      <a16:colId xmlns:a16="http://schemas.microsoft.com/office/drawing/2014/main" val="1751698625"/>
+                    </a:ext>
+                  </a:extLst>
+                </a:gridCol>
+                <a:gridCol w="2686463">
+                  <a:extLst>
+                    <a:ext uri="{9D8B030D-6E8A-4147-A177-3AD203B41FA5}">
+                      <a16:colId xmlns:a16="http://schemas.microsoft.com/office/drawing/2014/main" val="899317284"/>
+                    </a:ext>
+                  </a:extLst>
+                </a:gridCol>
+                <a:gridCol w="2644158">
+                  <a:extLst>
+                    <a:ext uri="{9D8B030D-6E8A-4147-A177-3AD203B41FA5}">
+                      <a16:colId xmlns:a16="http://schemas.microsoft.com/office/drawing/2014/main" val="3987036829"/>
+                    </a:ext>
+                  </a:extLst>
+                </a:gridCol>
+                <a:gridCol w="1226888">
+                  <a:extLst>
+                    <a:ext uri="{9D8B030D-6E8A-4147-A177-3AD203B41FA5}">
+                      <a16:colId xmlns:a16="http://schemas.microsoft.com/office/drawing/2014/main" val="1578255724"/>
+                    </a:ext>
+                  </a:extLst>
+                </a:gridCol>
+              </a:tblGrid>
+              <a:tr h="487680">
+                <a:tc>
+                  <a:txBody>
+                    <a:bodyPr/>
+                    <a:lstStyle/>
+                    <a:p>
+                      <a:pPr algn="l" fontAlgn="b"/>
+                      <a:r>
+                        <a:rPr lang="pt-BR" sz="1600" u="none" strike="noStrike">
+                          <a:effectLst/>
+                        </a:rPr>
+                        <a:t>Ambiente Programação WSL</a:t>
+                      </a:r>
+                      <a:endParaRPr lang="pt-BR" sz="1600" b="0" i="0" u="none" strike="noStrike">
+                        <a:solidFill>
+                          <a:srgbClr val="000000"/>
+                        </a:solidFill>
+                        <a:effectLst/>
+                        <a:latin typeface="Calibri" panose="020F0502020204030204" pitchFamily="34" charset="0"/>
+                      </a:endParaRPr>
+                    </a:p>
+                  </a:txBody>
+                  <a:tcPr marL="7620" marR="7620" marT="7620" marB="0" anchor="b"/>
+                </a:tc>
+                <a:tc>
+                  <a:txBody>
+                    <a:bodyPr/>
+                    <a:lstStyle/>
+                    <a:p>
+                      <a:pPr algn="l" fontAlgn="b"/>
+                      <a:r>
+                        <a:rPr lang="pt-BR" sz="1600" u="none" strike="noStrike">
+                          <a:effectLst/>
+                        </a:rPr>
+                        <a:t>Spring Boot (Backend)</a:t>
+                      </a:r>
+                      <a:endParaRPr lang="pt-BR" sz="1600" b="0" i="0" u="none" strike="noStrike">
+                        <a:solidFill>
+                          <a:srgbClr val="000000"/>
+                        </a:solidFill>
+                        <a:effectLst/>
+                        <a:latin typeface="Calibri" panose="020F0502020204030204" pitchFamily="34" charset="0"/>
+                      </a:endParaRPr>
+                    </a:p>
+                  </a:txBody>
+                  <a:tcPr marL="7620" marR="7620" marT="7620" marB="0" anchor="b"/>
+                </a:tc>
+                <a:tc>
+                  <a:txBody>
+                    <a:bodyPr/>
+                    <a:lstStyle/>
+                    <a:p>
+                      <a:pPr algn="l" fontAlgn="b"/>
+                      <a:r>
+                        <a:rPr lang="pt-BR" sz="1600" u="none" strike="noStrike">
+                          <a:effectLst/>
+                        </a:rPr>
+                        <a:t>Angular (Frontend)</a:t>
+                      </a:r>
+                      <a:endParaRPr lang="pt-BR" sz="1600" b="0" i="0" u="none" strike="noStrike">
+                        <a:solidFill>
+                          <a:srgbClr val="000000"/>
+                        </a:solidFill>
+                        <a:effectLst/>
+                        <a:latin typeface="Calibri" panose="020F0502020204030204" pitchFamily="34" charset="0"/>
+                      </a:endParaRPr>
+                    </a:p>
+                  </a:txBody>
+                  <a:tcPr marL="7620" marR="7620" marT="7620" marB="0" anchor="b"/>
+                </a:tc>
+                <a:tc>
+                  <a:txBody>
+                    <a:bodyPr/>
+                    <a:lstStyle/>
+                    <a:p>
+                      <a:pPr algn="l" fontAlgn="b"/>
+                      <a:r>
+                        <a:rPr lang="pt-BR" sz="1600" u="none" strike="noStrike">
+                          <a:effectLst/>
+                        </a:rPr>
+                        <a:t>Sonarqube</a:t>
+                      </a:r>
+                      <a:endParaRPr lang="pt-BR" sz="1600" b="0" i="0" u="none" strike="noStrike">
+                        <a:solidFill>
+                          <a:srgbClr val="000000"/>
+                        </a:solidFill>
+                        <a:effectLst/>
+                        <a:latin typeface="Calibri" panose="020F0502020204030204" pitchFamily="34" charset="0"/>
+                      </a:endParaRPr>
+                    </a:p>
+                  </a:txBody>
+                  <a:tcPr marL="7620" marR="7620" marT="7620" marB="0" anchor="b"/>
+                </a:tc>
+                <a:extLst>
+                  <a:ext uri="{0D108BD9-81ED-4DB2-BD59-A6C34878D82A}">
+                    <a16:rowId xmlns:a16="http://schemas.microsoft.com/office/drawing/2014/main" val="3823127025"/>
+                  </a:ext>
+                </a:extLst>
+              </a:tr>
+              <a:tr h="381000">
+                <a:tc>
+                  <a:txBody>
+                    <a:bodyPr/>
+                    <a:lstStyle/>
+                    <a:p>
+                      <a:pPr algn="l" fontAlgn="b"/>
+                      <a:r>
+                        <a:rPr lang="pt-BR" sz="1600" u="none" strike="noStrike">
+                          <a:effectLst/>
+                        </a:rPr>
+                        <a:t>PostgreSQL Dbeaver</a:t>
+                      </a:r>
+                      <a:endParaRPr lang="pt-BR" sz="1600" b="0" i="0" u="none" strike="noStrike">
+                        <a:solidFill>
+                          <a:srgbClr val="000000"/>
+                        </a:solidFill>
+                        <a:effectLst/>
+                        <a:latin typeface="Calibri" panose="020F0502020204030204" pitchFamily="34" charset="0"/>
+                      </a:endParaRPr>
+                    </a:p>
+                  </a:txBody>
+                  <a:tcPr marL="7620" marR="7620" marT="7620" marB="0" anchor="b"/>
+                </a:tc>
+                <a:tc>
+                  <a:txBody>
+                    <a:bodyPr/>
+                    <a:lstStyle/>
+                    <a:p>
+                      <a:pPr algn="l" fontAlgn="b"/>
+                      <a:r>
+                        <a:rPr lang="pt-BR" sz="1600" u="none" strike="noStrike">
+                          <a:effectLst/>
+                        </a:rPr>
+                        <a:t>Swagger</a:t>
+                      </a:r>
+                      <a:endParaRPr lang="pt-BR" sz="1600" b="0" i="0" u="none" strike="noStrike">
+                        <a:solidFill>
+                          <a:srgbClr val="000000"/>
+                        </a:solidFill>
+                        <a:effectLst/>
+                        <a:latin typeface="Calibri" panose="020F0502020204030204" pitchFamily="34" charset="0"/>
+                      </a:endParaRPr>
+                    </a:p>
+                  </a:txBody>
+                  <a:tcPr marL="7620" marR="7620" marT="7620" marB="0" anchor="b"/>
+                </a:tc>
+                <a:tc>
+                  <a:txBody>
+                    <a:bodyPr/>
+                    <a:lstStyle/>
+                    <a:p>
+                      <a:pPr algn="l" fontAlgn="b"/>
+                      <a:r>
+                        <a:rPr lang="pt-BR" sz="1600" u="none" strike="noStrike">
+                          <a:effectLst/>
+                        </a:rPr>
+                        <a:t>Testes unitários Karma</a:t>
+                      </a:r>
+                      <a:endParaRPr lang="pt-BR" sz="1600" b="0" i="0" u="none" strike="noStrike">
+                        <a:solidFill>
+                          <a:srgbClr val="000000"/>
+                        </a:solidFill>
+                        <a:effectLst/>
+                        <a:latin typeface="Calibri" panose="020F0502020204030204" pitchFamily="34" charset="0"/>
+                      </a:endParaRPr>
+                    </a:p>
+                  </a:txBody>
+                  <a:tcPr marL="7620" marR="7620" marT="7620" marB="0" anchor="b"/>
+                </a:tc>
+                <a:tc>
+                  <a:txBody>
+                    <a:bodyPr/>
+                    <a:lstStyle/>
+                    <a:p>
+                      <a:pPr algn="l" fontAlgn="b"/>
+                      <a:r>
+                        <a:rPr lang="pt-BR" sz="1600" u="none" strike="noStrike">
+                          <a:effectLst/>
+                        </a:rPr>
+                        <a:t>Prometheus</a:t>
+                      </a:r>
+                      <a:endParaRPr lang="pt-BR" sz="1600" b="0" i="0" u="none" strike="noStrike">
+                        <a:solidFill>
+                          <a:srgbClr val="000000"/>
+                        </a:solidFill>
+                        <a:effectLst/>
+                        <a:latin typeface="Calibri" panose="020F0502020204030204" pitchFamily="34" charset="0"/>
+                      </a:endParaRPr>
+                    </a:p>
+                  </a:txBody>
+                  <a:tcPr marL="7620" marR="7620" marT="7620" marB="0" anchor="b"/>
+                </a:tc>
+                <a:extLst>
+                  <a:ext uri="{0D108BD9-81ED-4DB2-BD59-A6C34878D82A}">
+                    <a16:rowId xmlns:a16="http://schemas.microsoft.com/office/drawing/2014/main" val="3398955080"/>
+                  </a:ext>
+                </a:extLst>
+              </a:tr>
+              <a:tr h="411480">
+                <a:tc>
+                  <a:txBody>
+                    <a:bodyPr/>
+                    <a:lstStyle/>
+                    <a:p>
+                      <a:pPr algn="l" fontAlgn="b"/>
+                      <a:r>
+                        <a:rPr lang="pt-BR" sz="1600" u="none" strike="noStrike">
+                          <a:effectLst/>
+                        </a:rPr>
+                        <a:t>Jaspersoft Studio</a:t>
+                      </a:r>
+                      <a:endParaRPr lang="pt-BR" sz="1600" b="0" i="0" u="none" strike="noStrike">
+                        <a:solidFill>
+                          <a:srgbClr val="000000"/>
+                        </a:solidFill>
+                        <a:effectLst/>
+                        <a:latin typeface="Calibri" panose="020F0502020204030204" pitchFamily="34" charset="0"/>
+                      </a:endParaRPr>
+                    </a:p>
+                  </a:txBody>
+                  <a:tcPr marL="7620" marR="7620" marT="7620" marB="0" anchor="b"/>
+                </a:tc>
+                <a:tc>
+                  <a:txBody>
+                    <a:bodyPr/>
+                    <a:lstStyle/>
+                    <a:p>
+                      <a:pPr algn="l" fontAlgn="b"/>
+                      <a:r>
+                        <a:rPr lang="pt-BR" sz="1600" u="none" strike="noStrike">
+                          <a:effectLst/>
+                        </a:rPr>
+                        <a:t>Testes unitários Junit</a:t>
+                      </a:r>
+                      <a:endParaRPr lang="pt-BR" sz="1600" b="0" i="0" u="none" strike="noStrike">
+                        <a:solidFill>
+                          <a:srgbClr val="000000"/>
+                        </a:solidFill>
+                        <a:effectLst/>
+                        <a:latin typeface="Calibri" panose="020F0502020204030204" pitchFamily="34" charset="0"/>
+                      </a:endParaRPr>
+                    </a:p>
+                  </a:txBody>
+                  <a:tcPr marL="7620" marR="7620" marT="7620" marB="0" anchor="b"/>
+                </a:tc>
+                <a:tc>
+                  <a:txBody>
+                    <a:bodyPr/>
+                    <a:lstStyle/>
+                    <a:p>
+                      <a:pPr algn="l" fontAlgn="b"/>
+                      <a:r>
+                        <a:rPr lang="pt-BR" sz="1600" u="none" strike="noStrike">
+                          <a:effectLst/>
+                        </a:rPr>
+                        <a:t>Testes de cobertura Karma</a:t>
+                      </a:r>
+                      <a:endParaRPr lang="pt-BR" sz="1600" b="0" i="0" u="none" strike="noStrike">
+                        <a:solidFill>
+                          <a:srgbClr val="000000"/>
+                        </a:solidFill>
+                        <a:effectLst/>
+                        <a:latin typeface="Calibri" panose="020F0502020204030204" pitchFamily="34" charset="0"/>
+                      </a:endParaRPr>
+                    </a:p>
+                  </a:txBody>
+                  <a:tcPr marL="7620" marR="7620" marT="7620" marB="0" anchor="b"/>
+                </a:tc>
+                <a:tc>
+                  <a:txBody>
+                    <a:bodyPr/>
+                    <a:lstStyle/>
+                    <a:p>
+                      <a:pPr algn="l" fontAlgn="b"/>
+                      <a:r>
+                        <a:rPr lang="pt-BR" sz="1600" u="none" strike="noStrike">
+                          <a:effectLst/>
+                        </a:rPr>
+                        <a:t>Grafana</a:t>
+                      </a:r>
+                      <a:endParaRPr lang="pt-BR" sz="1600" b="0" i="0" u="none" strike="noStrike">
+                        <a:solidFill>
+                          <a:srgbClr val="000000"/>
+                        </a:solidFill>
+                        <a:effectLst/>
+                        <a:latin typeface="Calibri" panose="020F0502020204030204" pitchFamily="34" charset="0"/>
+                      </a:endParaRPr>
+                    </a:p>
+                  </a:txBody>
+                  <a:tcPr marL="7620" marR="7620" marT="7620" marB="0" anchor="b"/>
+                </a:tc>
+                <a:extLst>
+                  <a:ext uri="{0D108BD9-81ED-4DB2-BD59-A6C34878D82A}">
+                    <a16:rowId xmlns:a16="http://schemas.microsoft.com/office/drawing/2014/main" val="2978369957"/>
+                  </a:ext>
+                </a:extLst>
+              </a:tr>
+              <a:tr h="360680">
+                <a:tc>
+                  <a:txBody>
+                    <a:bodyPr/>
+                    <a:lstStyle/>
+                    <a:p>
+                      <a:pPr algn="l" fontAlgn="b"/>
+                      <a:r>
+                        <a:rPr lang="pt-BR" sz="1600" u="none" strike="noStrike">
+                          <a:effectLst/>
+                        </a:rPr>
+                        <a:t>Postman</a:t>
+                      </a:r>
+                      <a:endParaRPr lang="pt-BR" sz="1600" b="0" i="0" u="none" strike="noStrike">
+                        <a:solidFill>
+                          <a:srgbClr val="000000"/>
+                        </a:solidFill>
+                        <a:effectLst/>
+                        <a:latin typeface="Calibri" panose="020F0502020204030204" pitchFamily="34" charset="0"/>
+                      </a:endParaRPr>
+                    </a:p>
+                  </a:txBody>
+                  <a:tcPr marL="7620" marR="7620" marT="7620" marB="0" anchor="b"/>
+                </a:tc>
+                <a:tc>
+                  <a:txBody>
+                    <a:bodyPr/>
+                    <a:lstStyle/>
+                    <a:p>
+                      <a:pPr algn="l" fontAlgn="b"/>
+                      <a:r>
+                        <a:rPr lang="pt-BR" sz="1600" u="none" strike="noStrike">
+                          <a:effectLst/>
+                        </a:rPr>
+                        <a:t>Testes de cobertura Jacoco</a:t>
+                      </a:r>
+                      <a:endParaRPr lang="pt-BR" sz="1600" b="0" i="0" u="none" strike="noStrike">
+                        <a:solidFill>
+                          <a:srgbClr val="000000"/>
+                        </a:solidFill>
+                        <a:effectLst/>
+                        <a:latin typeface="Calibri" panose="020F0502020204030204" pitchFamily="34" charset="0"/>
+                      </a:endParaRPr>
+                    </a:p>
+                  </a:txBody>
+                  <a:tcPr marL="7620" marR="7620" marT="7620" marB="0" anchor="b"/>
+                </a:tc>
+                <a:tc>
+                  <a:txBody>
+                    <a:bodyPr/>
+                    <a:lstStyle/>
+                    <a:p>
+                      <a:pPr algn="l" fontAlgn="b"/>
+                      <a:r>
+                        <a:rPr lang="pt-BR" sz="1600" u="none" strike="noStrike">
+                          <a:effectLst/>
+                        </a:rPr>
+                        <a:t>Testes unitários Jest</a:t>
+                      </a:r>
+                      <a:endParaRPr lang="pt-BR" sz="1600" b="0" i="0" u="none" strike="noStrike">
+                        <a:solidFill>
+                          <a:srgbClr val="000000"/>
+                        </a:solidFill>
+                        <a:effectLst/>
+                        <a:latin typeface="Calibri" panose="020F0502020204030204" pitchFamily="34" charset="0"/>
+                      </a:endParaRPr>
+                    </a:p>
+                  </a:txBody>
+                  <a:tcPr marL="7620" marR="7620" marT="7620" marB="0" anchor="b"/>
+                </a:tc>
+                <a:tc>
+                  <a:txBody>
+                    <a:bodyPr/>
+                    <a:lstStyle/>
+                    <a:p>
+                      <a:pPr algn="l" fontAlgn="b"/>
+                      <a:r>
+                        <a:rPr lang="pt-BR" sz="1600" u="none" strike="noStrike">
+                          <a:effectLst/>
+                        </a:rPr>
+                        <a:t>Gitlab</a:t>
+                      </a:r>
+                      <a:endParaRPr lang="pt-BR" sz="1600" b="0" i="0" u="none" strike="noStrike">
+                        <a:solidFill>
+                          <a:srgbClr val="000000"/>
+                        </a:solidFill>
+                        <a:effectLst/>
+                        <a:latin typeface="Calibri" panose="020F0502020204030204" pitchFamily="34" charset="0"/>
+                      </a:endParaRPr>
+                    </a:p>
+                  </a:txBody>
+                  <a:tcPr marL="7620" marR="7620" marT="7620" marB="0" anchor="b"/>
+                </a:tc>
+                <a:extLst>
+                  <a:ext uri="{0D108BD9-81ED-4DB2-BD59-A6C34878D82A}">
+                    <a16:rowId xmlns:a16="http://schemas.microsoft.com/office/drawing/2014/main" val="1147031286"/>
+                  </a:ext>
+                </a:extLst>
+              </a:tr>
+              <a:tr h="327660">
+                <a:tc>
+                  <a:txBody>
+                    <a:bodyPr/>
+                    <a:lstStyle/>
+                    <a:p>
+                      <a:pPr algn="l" fontAlgn="b"/>
+                      <a:r>
+                        <a:rPr lang="pt-BR" sz="1600" u="none" strike="noStrike">
+                          <a:effectLst/>
+                        </a:rPr>
+                        <a:t>Docker</a:t>
+                      </a:r>
+                      <a:endParaRPr lang="pt-BR" sz="1600" b="0" i="0" u="none" strike="noStrike">
+                        <a:solidFill>
+                          <a:srgbClr val="000000"/>
+                        </a:solidFill>
+                        <a:effectLst/>
+                        <a:latin typeface="Calibri" panose="020F0502020204030204" pitchFamily="34" charset="0"/>
+                      </a:endParaRPr>
+                    </a:p>
+                  </a:txBody>
+                  <a:tcPr marL="7620" marR="7620" marT="7620" marB="0" anchor="b"/>
+                </a:tc>
+                <a:tc>
+                  <a:txBody>
+                    <a:bodyPr/>
+                    <a:lstStyle/>
+                    <a:p>
+                      <a:pPr algn="l" fontAlgn="b"/>
+                      <a:endParaRPr lang="pt-BR" sz="1600" b="0" i="0" u="none" strike="noStrike">
+                        <a:solidFill>
+                          <a:srgbClr val="000000"/>
+                        </a:solidFill>
+                        <a:effectLst/>
+                        <a:latin typeface="Calibri" panose="020F0502020204030204" pitchFamily="34" charset="0"/>
+                      </a:endParaRPr>
+                    </a:p>
+                  </a:txBody>
+                  <a:tcPr marL="7620" marR="7620" marT="7620" marB="0" anchor="b"/>
+                </a:tc>
+                <a:tc>
+                  <a:txBody>
+                    <a:bodyPr/>
+                    <a:lstStyle/>
+                    <a:p>
+                      <a:pPr algn="l" fontAlgn="b"/>
+                      <a:r>
+                        <a:rPr lang="pt-BR" sz="1600" u="none" strike="noStrike">
+                          <a:effectLst/>
+                        </a:rPr>
+                        <a:t>Testes de cobertura Jest</a:t>
+                      </a:r>
+                      <a:endParaRPr lang="pt-BR" sz="1600" b="0" i="0" u="none" strike="noStrike">
+                        <a:solidFill>
+                          <a:srgbClr val="000000"/>
+                        </a:solidFill>
+                        <a:effectLst/>
+                        <a:latin typeface="Calibri" panose="020F0502020204030204" pitchFamily="34" charset="0"/>
+                      </a:endParaRPr>
+                    </a:p>
+                  </a:txBody>
+                  <a:tcPr marL="7620" marR="7620" marT="7620" marB="0" anchor="b"/>
+                </a:tc>
+                <a:tc>
+                  <a:txBody>
+                    <a:bodyPr/>
+                    <a:lstStyle/>
+                    <a:p>
+                      <a:pPr algn="l" fontAlgn="b"/>
+                      <a:endParaRPr lang="pt-BR" sz="1600" b="0" i="0" u="none" strike="noStrike">
+                        <a:solidFill>
+                          <a:srgbClr val="000000"/>
+                        </a:solidFill>
+                        <a:effectLst/>
+                        <a:latin typeface="Calibri" panose="020F0502020204030204" pitchFamily="34" charset="0"/>
+                      </a:endParaRPr>
+                    </a:p>
+                  </a:txBody>
+                  <a:tcPr marL="7620" marR="7620" marT="7620" marB="0" anchor="b"/>
+                </a:tc>
+                <a:extLst>
+                  <a:ext uri="{0D108BD9-81ED-4DB2-BD59-A6C34878D82A}">
+                    <a16:rowId xmlns:a16="http://schemas.microsoft.com/office/drawing/2014/main" val="3194810788"/>
+                  </a:ext>
+                </a:extLst>
+              </a:tr>
+              <a:tr h="357202">
+                <a:tc>
+                  <a:txBody>
+                    <a:bodyPr/>
+                    <a:lstStyle/>
+                    <a:p>
+                      <a:pPr algn="l" fontAlgn="b"/>
+                      <a:r>
+                        <a:rPr lang="pt-BR" sz="1600" u="none" strike="noStrike">
+                          <a:effectLst/>
+                        </a:rPr>
+                        <a:t>Keycloak</a:t>
+                      </a:r>
+                      <a:endParaRPr lang="pt-BR" sz="1600" b="0" i="0" u="none" strike="noStrike">
+                        <a:solidFill>
+                          <a:srgbClr val="000000"/>
+                        </a:solidFill>
+                        <a:effectLst/>
+                        <a:latin typeface="Calibri" panose="020F0502020204030204" pitchFamily="34" charset="0"/>
+                      </a:endParaRPr>
+                    </a:p>
+                  </a:txBody>
+                  <a:tcPr marL="7620" marR="7620" marT="7620" marB="0" anchor="b"/>
+                </a:tc>
+                <a:tc>
+                  <a:txBody>
+                    <a:bodyPr/>
+                    <a:lstStyle/>
+                    <a:p>
+                      <a:pPr algn="l" fontAlgn="b"/>
+                      <a:endParaRPr lang="pt-BR" sz="1600" b="0" i="0" u="none" strike="noStrike">
+                        <a:solidFill>
+                          <a:srgbClr val="000000"/>
+                        </a:solidFill>
+                        <a:effectLst/>
+                        <a:latin typeface="Calibri" panose="020F0502020204030204" pitchFamily="34" charset="0"/>
+                      </a:endParaRPr>
+                    </a:p>
+                  </a:txBody>
+                  <a:tcPr marL="7620" marR="7620" marT="7620" marB="0" anchor="b"/>
+                </a:tc>
+                <a:tc>
+                  <a:txBody>
+                    <a:bodyPr/>
+                    <a:lstStyle/>
+                    <a:p>
+                      <a:pPr algn="l" fontAlgn="b"/>
+                      <a:endParaRPr lang="pt-BR" sz="1600" b="0" i="0" u="none" strike="noStrike">
+                        <a:solidFill>
+                          <a:srgbClr val="000000"/>
+                        </a:solidFill>
+                        <a:effectLst/>
+                        <a:latin typeface="Calibri" panose="020F0502020204030204" pitchFamily="34" charset="0"/>
+                      </a:endParaRPr>
+                    </a:p>
+                  </a:txBody>
+                  <a:tcPr marL="7620" marR="7620" marT="7620" marB="0" anchor="b"/>
+                </a:tc>
+                <a:tc>
+                  <a:txBody>
+                    <a:bodyPr/>
+                    <a:lstStyle/>
+                    <a:p>
+                      <a:pPr algn="l" fontAlgn="b"/>
+                      <a:endParaRPr lang="pt-BR" sz="1600" b="0" i="0" u="none" strike="noStrike" dirty="0">
+                        <a:solidFill>
+                          <a:srgbClr val="000000"/>
+                        </a:solidFill>
+                        <a:effectLst/>
+                        <a:latin typeface="Calibri" panose="020F0502020204030204" pitchFamily="34" charset="0"/>
+                      </a:endParaRPr>
+                    </a:p>
+                  </a:txBody>
+                  <a:tcPr marL="7620" marR="7620" marT="7620" marB="0" anchor="b"/>
+                </a:tc>
+                <a:extLst>
+                  <a:ext uri="{0D108BD9-81ED-4DB2-BD59-A6C34878D82A}">
+                    <a16:rowId xmlns:a16="http://schemas.microsoft.com/office/drawing/2014/main" val="1359242541"/>
+                  </a:ext>
+                </a:extLst>
+              </a:tr>
+            </a:tbl>
+          </a:graphicData>
+        </a:graphic>
+      </p:graphicFrame>
+    </p:spTree>
+    <p:extLst>
+      <p:ext uri="{BB962C8B-B14F-4D97-AF65-F5344CB8AC3E}">
+        <p14:creationId xmlns:p14="http://schemas.microsoft.com/office/powerpoint/2010/main" val="2280200581"/>
+      </p:ext>
+    </p:extLst>
+  </p:cSld>
+  <p:clrMapOvr>
+    <a:masterClrMapping/>
+  </p:clrMapOvr>
+  <mc:AlternateContent xmlns:mc="http://schemas.openxmlformats.org/markup-compatibility/2006" xmlns:p14="http://schemas.microsoft.com/office/powerpoint/2010/main">
+    <mc:Choice Requires="p14">
+      <p:transition spd="slow" p14:dur="2000"/>
+    </mc:Choice>
+    <mc:Fallback xmlns:p15="http://schemas.microsoft.com/office/powerpoint/2012/main" xmlns="">
+      <p:transition spd="slow"/>
+    </mc:Fallback>
+  </mc:AlternateContent>
+  <p:timing>
+    <p:tnLst>
+      <p:par>
+        <p:cTn id="1" dur="indefinite" restart="never" nodeType="tmRoot"/>
+      </p:par>
+    </p:tnLst>
+  </p:timing>
 </p:sld>
 </file>
 
